--- a/imagefile/이미지.pptx
+++ b/imagefile/이미지.pptx
@@ -5,7 +5,7 @@
     <p:sldMasterId id="2147483648" r:id="rId1"/>
   </p:sldMasterIdLst>
   <p:notesMasterIdLst>
-    <p:notesMasterId r:id="rId7"/>
+    <p:notesMasterId r:id="rId8"/>
   </p:notesMasterIdLst>
   <p:sldIdLst>
     <p:sldId id="256" r:id="rId2"/>
@@ -13,6 +13,7 @@
     <p:sldId id="258" r:id="rId4"/>
     <p:sldId id="259" r:id="rId5"/>
     <p:sldId id="260" r:id="rId6"/>
+    <p:sldId id="261" r:id="rId7"/>
   </p:sldIdLst>
   <p:sldSz cx="12192000" cy="6858000"/>
   <p:notesSz cx="6858000" cy="9144000"/>
@@ -10328,428 +10329,6 @@
       </p:grpSpPr>
       <p:grpSp>
         <p:nvGrpSpPr>
-          <p:cNvPr id="40" name="그룹 39">
-            <a:extLst>
-              <a:ext uri="{FF2B5EF4-FFF2-40B4-BE49-F238E27FC236}">
-                <a16:creationId xmlns:a16="http://schemas.microsoft.com/office/drawing/2014/main" id="{99DDD7A2-F98B-1472-14D3-4086515C2D0B}"/>
-              </a:ext>
-            </a:extLst>
-          </p:cNvPr>
-          <p:cNvGrpSpPr/>
-          <p:nvPr/>
-        </p:nvGrpSpPr>
-        <p:grpSpPr>
-          <a:xfrm>
-            <a:off x="722088" y="1067042"/>
-            <a:ext cx="2490642" cy="3504243"/>
-            <a:chOff x="945358" y="916737"/>
-            <a:chExt cx="2490642" cy="3504243"/>
-          </a:xfrm>
-        </p:grpSpPr>
-        <p:grpSp>
-          <p:nvGrpSpPr>
-            <p:cNvPr id="39" name="그룹 38">
-              <a:extLst>
-                <a:ext uri="{FF2B5EF4-FFF2-40B4-BE49-F238E27FC236}">
-                  <a16:creationId xmlns:a16="http://schemas.microsoft.com/office/drawing/2014/main" id="{7BBE78F6-EA40-771D-1FC9-203FC04E6D00}"/>
-                </a:ext>
-              </a:extLst>
-            </p:cNvPr>
-            <p:cNvGrpSpPr/>
-            <p:nvPr/>
-          </p:nvGrpSpPr>
-          <p:grpSpPr>
-            <a:xfrm>
-              <a:off x="945358" y="916737"/>
-              <a:ext cx="2490642" cy="3504243"/>
-              <a:chOff x="943229" y="897267"/>
-              <a:chExt cx="2490642" cy="3504243"/>
-            </a:xfrm>
-          </p:grpSpPr>
-          <p:sp>
-            <p:nvSpPr>
-              <p:cNvPr id="37" name="직사각형 36">
-                <a:extLst>
-                  <a:ext uri="{FF2B5EF4-FFF2-40B4-BE49-F238E27FC236}">
-                    <a16:creationId xmlns:a16="http://schemas.microsoft.com/office/drawing/2014/main" id="{CF90EA28-548C-5AAE-E6E1-D39C3FD1A51E}"/>
-                  </a:ext>
-                </a:extLst>
-              </p:cNvPr>
-              <p:cNvSpPr/>
-              <p:nvPr/>
-            </p:nvSpPr>
-            <p:spPr>
-              <a:xfrm>
-                <a:off x="943229" y="897267"/>
-                <a:ext cx="2490642" cy="3504243"/>
-              </a:xfrm>
-              <a:prstGeom prst="rect">
-                <a:avLst/>
-              </a:prstGeom>
-              <a:solidFill>
-                <a:srgbClr val="2B303D"/>
-              </a:solidFill>
-              <a:ln>
-                <a:noFill/>
-              </a:ln>
-            </p:spPr>
-            <p:style>
-              <a:lnRef idx="2">
-                <a:schemeClr val="accent1">
-                  <a:shade val="15000"/>
-                </a:schemeClr>
-              </a:lnRef>
-              <a:fillRef idx="1">
-                <a:schemeClr val="accent1"/>
-              </a:fillRef>
-              <a:effectRef idx="0">
-                <a:schemeClr val="accent1"/>
-              </a:effectRef>
-              <a:fontRef idx="minor">
-                <a:schemeClr val="lt1"/>
-              </a:fontRef>
-            </p:style>
-            <p:txBody>
-              <a:bodyPr rtlCol="0" anchor="ctr"/>
-              <a:lstStyle/>
-              <a:p>
-                <a:pPr algn="ctr"/>
-                <a:endParaRPr kumimoji="1" lang="ko-KR" altLang="en-US" dirty="0"/>
-              </a:p>
-            </p:txBody>
-          </p:sp>
-          <p:sp>
-            <p:nvSpPr>
-              <p:cNvPr id="38" name="TextBox 37">
-                <a:extLst>
-                  <a:ext uri="{FF2B5EF4-FFF2-40B4-BE49-F238E27FC236}">
-                    <a16:creationId xmlns:a16="http://schemas.microsoft.com/office/drawing/2014/main" id="{CBB5E3B4-BA42-FD38-5557-415E6FA90283}"/>
-                  </a:ext>
-                </a:extLst>
-              </p:cNvPr>
-              <p:cNvSpPr txBox="1"/>
-              <p:nvPr/>
-            </p:nvSpPr>
-            <p:spPr>
-              <a:xfrm>
-                <a:off x="3075841" y="3406986"/>
-                <a:ext cx="248786" cy="276999"/>
-              </a:xfrm>
-              <a:prstGeom prst="rect">
-                <a:avLst/>
-              </a:prstGeom>
-              <a:noFill/>
-            </p:spPr>
-            <p:txBody>
-              <a:bodyPr wrap="none" rtlCol="0">
-                <a:spAutoFit/>
-              </a:bodyPr>
-              <a:lstStyle/>
-              <a:p>
-                <a:r>
-                  <a:rPr kumimoji="1" lang="en-US" altLang="ko-KR" sz="1200" b="1" dirty="0">
-                    <a:solidFill>
-                      <a:srgbClr val="FF0000"/>
-                    </a:solidFill>
-                  </a:rPr>
-                  <a:t>-</a:t>
-                </a:r>
-              </a:p>
-            </p:txBody>
-          </p:sp>
-        </p:grpSp>
-        <p:pic>
-          <p:nvPicPr>
-            <p:cNvPr id="23" name="그림 22" descr="댄스, 예술이(가) 표시된 사진&#10;&#10;자동 생성된 설명">
-              <a:extLst>
-                <a:ext uri="{FF2B5EF4-FFF2-40B4-BE49-F238E27FC236}">
-                  <a16:creationId xmlns:a16="http://schemas.microsoft.com/office/drawing/2014/main" id="{99368FCE-DC70-AD4B-D595-3BA14C90EFA0}"/>
-                </a:ext>
-              </a:extLst>
-            </p:cNvPr>
-            <p:cNvPicPr>
-              <a:picLocks noChangeAspect="1"/>
-            </p:cNvPicPr>
-            <p:nvPr/>
-          </p:nvPicPr>
-          <p:blipFill rotWithShape="1">
-            <a:blip r:embed="rId2"/>
-            <a:srcRect l="14449"/>
-            <a:stretch/>
-          </p:blipFill>
-          <p:spPr>
-            <a:xfrm>
-              <a:off x="968343" y="1140659"/>
-              <a:ext cx="2392646" cy="2796749"/>
-            </a:xfrm>
-            <a:prstGeom prst="rect">
-              <a:avLst/>
-            </a:prstGeom>
-          </p:spPr>
-        </p:pic>
-      </p:grpSp>
-      <p:grpSp>
-        <p:nvGrpSpPr>
-          <p:cNvPr id="32" name="그룹 31">
-            <a:extLst>
-              <a:ext uri="{FF2B5EF4-FFF2-40B4-BE49-F238E27FC236}">
-                <a16:creationId xmlns:a16="http://schemas.microsoft.com/office/drawing/2014/main" id="{FE25D2DC-D5F2-35CD-B9E2-88C1F546C038}"/>
-              </a:ext>
-            </a:extLst>
-          </p:cNvPr>
-          <p:cNvGrpSpPr/>
-          <p:nvPr/>
-        </p:nvGrpSpPr>
-        <p:grpSpPr>
-          <a:xfrm>
-            <a:off x="4739328" y="289451"/>
-            <a:ext cx="1883300" cy="2668345"/>
-            <a:chOff x="4656778" y="968901"/>
-            <a:chExt cx="1883300" cy="2668345"/>
-          </a:xfrm>
-        </p:grpSpPr>
-        <p:sp>
-          <p:nvSpPr>
-            <p:cNvPr id="26" name="직사각형 25">
-              <a:extLst>
-                <a:ext uri="{FF2B5EF4-FFF2-40B4-BE49-F238E27FC236}">
-                  <a16:creationId xmlns:a16="http://schemas.microsoft.com/office/drawing/2014/main" id="{2D3B4F79-1380-E934-AF3D-F708D901F407}"/>
-                </a:ext>
-              </a:extLst>
-            </p:cNvPr>
-            <p:cNvSpPr/>
-            <p:nvPr/>
-          </p:nvSpPr>
-          <p:spPr>
-            <a:xfrm>
-              <a:off x="4656778" y="968901"/>
-              <a:ext cx="1883299" cy="2668345"/>
-            </a:xfrm>
-            <a:prstGeom prst="rect">
-              <a:avLst/>
-            </a:prstGeom>
-            <a:solidFill>
-              <a:srgbClr val="2B303D"/>
-            </a:solidFill>
-            <a:ln>
-              <a:noFill/>
-            </a:ln>
-          </p:spPr>
-          <p:style>
-            <a:lnRef idx="2">
-              <a:schemeClr val="accent1">
-                <a:shade val="15000"/>
-              </a:schemeClr>
-            </a:lnRef>
-            <a:fillRef idx="1">
-              <a:schemeClr val="accent1"/>
-            </a:fillRef>
-            <a:effectRef idx="0">
-              <a:schemeClr val="accent1"/>
-            </a:effectRef>
-            <a:fontRef idx="minor">
-              <a:schemeClr val="lt1"/>
-            </a:fontRef>
-          </p:style>
-          <p:txBody>
-            <a:bodyPr rtlCol="0" anchor="ctr"/>
-            <a:lstStyle/>
-            <a:p>
-              <a:pPr algn="ctr"/>
-              <a:endParaRPr kumimoji="1" lang="ko-KR" altLang="en-US"/>
-            </a:p>
-          </p:txBody>
-        </p:sp>
-        <p:grpSp>
-          <p:nvGrpSpPr>
-            <p:cNvPr id="25" name="그룹 24">
-              <a:extLst>
-                <a:ext uri="{FF2B5EF4-FFF2-40B4-BE49-F238E27FC236}">
-                  <a16:creationId xmlns:a16="http://schemas.microsoft.com/office/drawing/2014/main" id="{4203FB25-18FD-37D0-53AB-72B015E51E1A}"/>
-                </a:ext>
-              </a:extLst>
-            </p:cNvPr>
-            <p:cNvGrpSpPr/>
-            <p:nvPr/>
-          </p:nvGrpSpPr>
-          <p:grpSpPr>
-            <a:xfrm>
-              <a:off x="4656778" y="1206500"/>
-              <a:ext cx="1883300" cy="2413000"/>
-              <a:chOff x="4656779" y="1206500"/>
-              <a:chExt cx="1883300" cy="2413000"/>
-            </a:xfrm>
-          </p:grpSpPr>
-          <p:pic>
-            <p:nvPicPr>
-              <p:cNvPr id="15" name="그림 14" descr="댄스, 예술이(가) 표시된 사진&#10;&#10;자동 생성된 설명">
-                <a:extLst>
-                  <a:ext uri="{FF2B5EF4-FFF2-40B4-BE49-F238E27FC236}">
-                    <a16:creationId xmlns:a16="http://schemas.microsoft.com/office/drawing/2014/main" id="{947414E9-47BF-C4C2-1045-602646938640}"/>
-                  </a:ext>
-                </a:extLst>
-              </p:cNvPr>
-              <p:cNvPicPr>
-                <a:picLocks noChangeAspect="1"/>
-              </p:cNvPicPr>
-              <p:nvPr/>
-            </p:nvPicPr>
-            <p:blipFill rotWithShape="1">
-              <a:blip r:embed="rId3"/>
-              <a:srcRect l="7768" r="14184"/>
-              <a:stretch/>
-            </p:blipFill>
-            <p:spPr>
-              <a:xfrm>
-                <a:off x="4656779" y="1206500"/>
-                <a:ext cx="1883300" cy="2413000"/>
-              </a:xfrm>
-              <a:prstGeom prst="rect">
-                <a:avLst/>
-              </a:prstGeom>
-            </p:spPr>
-          </p:pic>
-          <p:sp>
-            <p:nvSpPr>
-              <p:cNvPr id="24" name="직사각형 23">
-                <a:extLst>
-                  <a:ext uri="{FF2B5EF4-FFF2-40B4-BE49-F238E27FC236}">
-                    <a16:creationId xmlns:a16="http://schemas.microsoft.com/office/drawing/2014/main" id="{2064A13F-D0BE-5489-BF2F-79B3F0A6A9AF}"/>
-                  </a:ext>
-                </a:extLst>
-              </p:cNvPr>
-              <p:cNvSpPr/>
-              <p:nvPr/>
-            </p:nvSpPr>
-            <p:spPr>
-              <a:xfrm>
-                <a:off x="4656779" y="3203007"/>
-                <a:ext cx="656610" cy="416493"/>
-              </a:xfrm>
-              <a:prstGeom prst="rect">
-                <a:avLst/>
-              </a:prstGeom>
-              <a:solidFill>
-                <a:srgbClr val="2B303D"/>
-              </a:solidFill>
-              <a:ln>
-                <a:noFill/>
-              </a:ln>
-            </p:spPr>
-            <p:style>
-              <a:lnRef idx="2">
-                <a:schemeClr val="accent1">
-                  <a:shade val="15000"/>
-                </a:schemeClr>
-              </a:lnRef>
-              <a:fillRef idx="1">
-                <a:schemeClr val="accent1"/>
-              </a:fillRef>
-              <a:effectRef idx="0">
-                <a:schemeClr val="accent1"/>
-              </a:effectRef>
-              <a:fontRef idx="minor">
-                <a:schemeClr val="lt1"/>
-              </a:fontRef>
-            </p:style>
-            <p:txBody>
-              <a:bodyPr rtlCol="0" anchor="ctr"/>
-              <a:lstStyle/>
-              <a:p>
-                <a:pPr algn="ctr"/>
-                <a:endParaRPr kumimoji="1" lang="ko-KR" altLang="en-US"/>
-              </a:p>
-            </p:txBody>
-          </p:sp>
-        </p:grpSp>
-        <p:cxnSp>
-          <p:nvCxnSpPr>
-            <p:cNvPr id="28" name="직선 연결선[R] 27">
-              <a:extLst>
-                <a:ext uri="{FF2B5EF4-FFF2-40B4-BE49-F238E27FC236}">
-                  <a16:creationId xmlns:a16="http://schemas.microsoft.com/office/drawing/2014/main" id="{5C8E4EDF-63B1-4341-EBF3-9E871F531B3B}"/>
-                </a:ext>
-              </a:extLst>
-            </p:cNvPr>
-            <p:cNvCxnSpPr/>
-            <p:nvPr/>
-          </p:nvCxnSpPr>
-          <p:spPr>
-            <a:xfrm>
-              <a:off x="5285930" y="1619670"/>
-              <a:ext cx="578739" cy="1192959"/>
-            </a:xfrm>
-            <a:prstGeom prst="line">
-              <a:avLst/>
-            </a:prstGeom>
-            <a:ln w="38100">
-              <a:solidFill>
-                <a:srgbClr val="FF0000"/>
-              </a:solidFill>
-            </a:ln>
-          </p:spPr>
-          <p:style>
-            <a:lnRef idx="2">
-              <a:schemeClr val="accent1"/>
-            </a:lnRef>
-            <a:fillRef idx="0">
-              <a:schemeClr val="accent1"/>
-            </a:fillRef>
-            <a:effectRef idx="1">
-              <a:schemeClr val="accent1"/>
-            </a:effectRef>
-            <a:fontRef idx="minor">
-              <a:schemeClr val="tx1"/>
-            </a:fontRef>
-          </p:style>
-        </p:cxnSp>
-        <p:cxnSp>
-          <p:nvCxnSpPr>
-            <p:cNvPr id="29" name="직선 연결선[R] 28">
-              <a:extLst>
-                <a:ext uri="{FF2B5EF4-FFF2-40B4-BE49-F238E27FC236}">
-                  <a16:creationId xmlns:a16="http://schemas.microsoft.com/office/drawing/2014/main" id="{A52144E9-B731-F313-31F0-AE8DCF1E2456}"/>
-                </a:ext>
-              </a:extLst>
-            </p:cNvPr>
-            <p:cNvCxnSpPr>
-              <a:cxnSpLocks/>
-            </p:cNvCxnSpPr>
-            <p:nvPr/>
-          </p:nvCxnSpPr>
-          <p:spPr>
-            <a:xfrm flipH="1">
-              <a:off x="5467350" y="2436739"/>
-              <a:ext cx="214463" cy="954161"/>
-            </a:xfrm>
-            <a:prstGeom prst="line">
-              <a:avLst/>
-            </a:prstGeom>
-            <a:ln w="38100">
-              <a:solidFill>
-                <a:srgbClr val="FF0000"/>
-              </a:solidFill>
-              <a:prstDash val="sysDash"/>
-            </a:ln>
-          </p:spPr>
-          <p:style>
-            <a:lnRef idx="2">
-              <a:schemeClr val="accent1"/>
-            </a:lnRef>
-            <a:fillRef idx="0">
-              <a:schemeClr val="accent1"/>
-            </a:fillRef>
-            <a:effectRef idx="1">
-              <a:schemeClr val="accent1"/>
-            </a:effectRef>
-            <a:fontRef idx="minor">
-              <a:schemeClr val="tx1"/>
-            </a:fontRef>
-          </p:style>
-        </p:cxnSp>
-      </p:grpSp>
-      <p:grpSp>
-        <p:nvGrpSpPr>
           <p:cNvPr id="35" name="그룹 34">
             <a:extLst>
               <a:ext uri="{FF2B5EF4-FFF2-40B4-BE49-F238E27FC236}">
@@ -10835,7 +10414,7 @@
             <p:nvPr/>
           </p:nvPicPr>
           <p:blipFill rotWithShape="1">
-            <a:blip r:embed="rId4"/>
+            <a:blip r:embed="rId2"/>
             <a:srcRect l="9210" r="12741"/>
             <a:stretch/>
           </p:blipFill>
@@ -10916,7 +10495,7 @@
         </p:nvGrpSpPr>
         <p:grpSpPr>
           <a:xfrm>
-            <a:off x="7918814" y="3681451"/>
+            <a:off x="6820264" y="4087713"/>
             <a:ext cx="1883299" cy="2668345"/>
             <a:chOff x="8026400" y="3491827"/>
             <a:chExt cx="1883299" cy="2668345"/>
@@ -10989,7 +10568,7 @@
             <p:nvPr/>
           </p:nvPicPr>
           <p:blipFill rotWithShape="1">
-            <a:blip r:embed="rId5"/>
+            <a:blip r:embed="rId3"/>
             <a:srcRect l="5394" r="4917"/>
             <a:stretch/>
           </p:blipFill>
@@ -11143,7 +10722,7 @@
             <p:nvPr/>
           </p:nvPicPr>
           <p:blipFill rotWithShape="1">
-            <a:blip r:embed="rId6"/>
+            <a:blip r:embed="rId4"/>
             <a:srcRect l="10461" r="8616"/>
             <a:stretch/>
           </p:blipFill>
@@ -11210,138 +10789,1495 @@
           </p:txBody>
         </p:sp>
       </p:grpSp>
-      <p:sp>
-        <p:nvSpPr>
-          <p:cNvPr id="47" name="직사각형 46">
+      <p:grpSp>
+        <p:nvGrpSpPr>
+          <p:cNvPr id="50" name="그룹 49">
             <a:extLst>
               <a:ext uri="{FF2B5EF4-FFF2-40B4-BE49-F238E27FC236}">
-                <a16:creationId xmlns:a16="http://schemas.microsoft.com/office/drawing/2014/main" id="{9DEC43F3-2E72-CF25-9429-A79080A2050F}"/>
+                <a16:creationId xmlns:a16="http://schemas.microsoft.com/office/drawing/2014/main" id="{AB94BA13-CC61-B7E0-1D77-0BA3709B8689}"/>
               </a:ext>
             </a:extLst>
           </p:cNvPr>
-          <p:cNvSpPr/>
+          <p:cNvGrpSpPr/>
           <p:nvPr/>
-        </p:nvSpPr>
+        </p:nvGrpSpPr>
+        <p:grpSpPr>
+          <a:xfrm>
+            <a:off x="4739328" y="289451"/>
+            <a:ext cx="1883300" cy="2668345"/>
+            <a:chOff x="4739328" y="289451"/>
+            <a:chExt cx="1883300" cy="2668345"/>
+          </a:xfrm>
+        </p:grpSpPr>
+        <p:grpSp>
+          <p:nvGrpSpPr>
+            <p:cNvPr id="32" name="그룹 31">
+              <a:extLst>
+                <a:ext uri="{FF2B5EF4-FFF2-40B4-BE49-F238E27FC236}">
+                  <a16:creationId xmlns:a16="http://schemas.microsoft.com/office/drawing/2014/main" id="{FE25D2DC-D5F2-35CD-B9E2-88C1F546C038}"/>
+                </a:ext>
+              </a:extLst>
+            </p:cNvPr>
+            <p:cNvGrpSpPr/>
+            <p:nvPr/>
+          </p:nvGrpSpPr>
+          <p:grpSpPr>
+            <a:xfrm>
+              <a:off x="4739328" y="289451"/>
+              <a:ext cx="1883300" cy="2668345"/>
+              <a:chOff x="4656778" y="968901"/>
+              <a:chExt cx="1883300" cy="2668345"/>
+            </a:xfrm>
+          </p:grpSpPr>
+          <p:sp>
+            <p:nvSpPr>
+              <p:cNvPr id="26" name="직사각형 25">
+                <a:extLst>
+                  <a:ext uri="{FF2B5EF4-FFF2-40B4-BE49-F238E27FC236}">
+                    <a16:creationId xmlns:a16="http://schemas.microsoft.com/office/drawing/2014/main" id="{2D3B4F79-1380-E934-AF3D-F708D901F407}"/>
+                  </a:ext>
+                </a:extLst>
+              </p:cNvPr>
+              <p:cNvSpPr/>
+              <p:nvPr/>
+            </p:nvSpPr>
+            <p:spPr>
+              <a:xfrm>
+                <a:off x="4656778" y="968901"/>
+                <a:ext cx="1883299" cy="2668345"/>
+              </a:xfrm>
+              <a:prstGeom prst="rect">
+                <a:avLst/>
+              </a:prstGeom>
+              <a:solidFill>
+                <a:srgbClr val="2B303D"/>
+              </a:solidFill>
+              <a:ln>
+                <a:noFill/>
+              </a:ln>
+            </p:spPr>
+            <p:style>
+              <a:lnRef idx="2">
+                <a:schemeClr val="accent1">
+                  <a:shade val="15000"/>
+                </a:schemeClr>
+              </a:lnRef>
+              <a:fillRef idx="1">
+                <a:schemeClr val="accent1"/>
+              </a:fillRef>
+              <a:effectRef idx="0">
+                <a:schemeClr val="accent1"/>
+              </a:effectRef>
+              <a:fontRef idx="minor">
+                <a:schemeClr val="lt1"/>
+              </a:fontRef>
+            </p:style>
+            <p:txBody>
+              <a:bodyPr rtlCol="0" anchor="ctr"/>
+              <a:lstStyle/>
+              <a:p>
+                <a:pPr algn="ctr"/>
+                <a:endParaRPr kumimoji="1" lang="ko-KR" altLang="en-US"/>
+              </a:p>
+            </p:txBody>
+          </p:sp>
+          <p:grpSp>
+            <p:nvGrpSpPr>
+              <p:cNvPr id="25" name="그룹 24">
+                <a:extLst>
+                  <a:ext uri="{FF2B5EF4-FFF2-40B4-BE49-F238E27FC236}">
+                    <a16:creationId xmlns:a16="http://schemas.microsoft.com/office/drawing/2014/main" id="{4203FB25-18FD-37D0-53AB-72B015E51E1A}"/>
+                  </a:ext>
+                </a:extLst>
+              </p:cNvPr>
+              <p:cNvGrpSpPr/>
+              <p:nvPr/>
+            </p:nvGrpSpPr>
+            <p:grpSpPr>
+              <a:xfrm>
+                <a:off x="4656778" y="1206500"/>
+                <a:ext cx="1883300" cy="2413000"/>
+                <a:chOff x="4656779" y="1206500"/>
+                <a:chExt cx="1883300" cy="2413000"/>
+              </a:xfrm>
+            </p:grpSpPr>
+            <p:pic>
+              <p:nvPicPr>
+                <p:cNvPr id="15" name="그림 14" descr="댄스, 예술이(가) 표시된 사진&#10;&#10;자동 생성된 설명">
+                  <a:extLst>
+                    <a:ext uri="{FF2B5EF4-FFF2-40B4-BE49-F238E27FC236}">
+                      <a16:creationId xmlns:a16="http://schemas.microsoft.com/office/drawing/2014/main" id="{947414E9-47BF-C4C2-1045-602646938640}"/>
+                    </a:ext>
+                  </a:extLst>
+                </p:cNvPr>
+                <p:cNvPicPr>
+                  <a:picLocks noChangeAspect="1"/>
+                </p:cNvPicPr>
+                <p:nvPr/>
+              </p:nvPicPr>
+              <p:blipFill rotWithShape="1">
+                <a:blip r:embed="rId5"/>
+                <a:srcRect l="7768" r="14184"/>
+                <a:stretch/>
+              </p:blipFill>
+              <p:spPr>
+                <a:xfrm>
+                  <a:off x="4656779" y="1206500"/>
+                  <a:ext cx="1883300" cy="2413000"/>
+                </a:xfrm>
+                <a:prstGeom prst="rect">
+                  <a:avLst/>
+                </a:prstGeom>
+              </p:spPr>
+            </p:pic>
+            <p:sp>
+              <p:nvSpPr>
+                <p:cNvPr id="24" name="직사각형 23">
+                  <a:extLst>
+                    <a:ext uri="{FF2B5EF4-FFF2-40B4-BE49-F238E27FC236}">
+                      <a16:creationId xmlns:a16="http://schemas.microsoft.com/office/drawing/2014/main" id="{2064A13F-D0BE-5489-BF2F-79B3F0A6A9AF}"/>
+                    </a:ext>
+                  </a:extLst>
+                </p:cNvPr>
+                <p:cNvSpPr/>
+                <p:nvPr/>
+              </p:nvSpPr>
+              <p:spPr>
+                <a:xfrm>
+                  <a:off x="4656779" y="3203007"/>
+                  <a:ext cx="656610" cy="416493"/>
+                </a:xfrm>
+                <a:prstGeom prst="rect">
+                  <a:avLst/>
+                </a:prstGeom>
+                <a:solidFill>
+                  <a:srgbClr val="2B303D"/>
+                </a:solidFill>
+                <a:ln>
+                  <a:noFill/>
+                </a:ln>
+              </p:spPr>
+              <p:style>
+                <a:lnRef idx="2">
+                  <a:schemeClr val="accent1">
+                    <a:shade val="15000"/>
+                  </a:schemeClr>
+                </a:lnRef>
+                <a:fillRef idx="1">
+                  <a:schemeClr val="accent1"/>
+                </a:fillRef>
+                <a:effectRef idx="0">
+                  <a:schemeClr val="accent1"/>
+                </a:effectRef>
+                <a:fontRef idx="minor">
+                  <a:schemeClr val="lt1"/>
+                </a:fontRef>
+              </p:style>
+              <p:txBody>
+                <a:bodyPr rtlCol="0" anchor="ctr"/>
+                <a:lstStyle/>
+                <a:p>
+                  <a:pPr algn="ctr"/>
+                  <a:endParaRPr kumimoji="1" lang="ko-KR" altLang="en-US"/>
+                </a:p>
+              </p:txBody>
+            </p:sp>
+          </p:grpSp>
+          <p:cxnSp>
+            <p:nvCxnSpPr>
+              <p:cNvPr id="28" name="직선 연결선[R] 27">
+                <a:extLst>
+                  <a:ext uri="{FF2B5EF4-FFF2-40B4-BE49-F238E27FC236}">
+                    <a16:creationId xmlns:a16="http://schemas.microsoft.com/office/drawing/2014/main" id="{5C8E4EDF-63B1-4341-EBF3-9E871F531B3B}"/>
+                  </a:ext>
+                </a:extLst>
+              </p:cNvPr>
+              <p:cNvCxnSpPr/>
+              <p:nvPr/>
+            </p:nvCxnSpPr>
+            <p:spPr>
+              <a:xfrm>
+                <a:off x="5285930" y="1619670"/>
+                <a:ext cx="578739" cy="1192959"/>
+              </a:xfrm>
+              <a:prstGeom prst="line">
+                <a:avLst/>
+              </a:prstGeom>
+              <a:ln w="38100">
+                <a:solidFill>
+                  <a:srgbClr val="FF0000"/>
+                </a:solidFill>
+              </a:ln>
+            </p:spPr>
+            <p:style>
+              <a:lnRef idx="2">
+                <a:schemeClr val="accent1"/>
+              </a:lnRef>
+              <a:fillRef idx="0">
+                <a:schemeClr val="accent1"/>
+              </a:fillRef>
+              <a:effectRef idx="1">
+                <a:schemeClr val="accent1"/>
+              </a:effectRef>
+              <a:fontRef idx="minor">
+                <a:schemeClr val="tx1"/>
+              </a:fontRef>
+            </p:style>
+          </p:cxnSp>
+          <p:cxnSp>
+            <p:nvCxnSpPr>
+              <p:cNvPr id="29" name="직선 연결선[R] 28">
+                <a:extLst>
+                  <a:ext uri="{FF2B5EF4-FFF2-40B4-BE49-F238E27FC236}">
+                    <a16:creationId xmlns:a16="http://schemas.microsoft.com/office/drawing/2014/main" id="{A52144E9-B731-F313-31F0-AE8DCF1E2456}"/>
+                  </a:ext>
+                </a:extLst>
+              </p:cNvPr>
+              <p:cNvCxnSpPr>
+                <a:cxnSpLocks/>
+              </p:cNvCxnSpPr>
+              <p:nvPr/>
+            </p:nvCxnSpPr>
+            <p:spPr>
+              <a:xfrm flipH="1">
+                <a:off x="5467350" y="2436739"/>
+                <a:ext cx="214463" cy="954161"/>
+              </a:xfrm>
+              <a:prstGeom prst="line">
+                <a:avLst/>
+              </a:prstGeom>
+              <a:ln w="38100">
+                <a:solidFill>
+                  <a:srgbClr val="FF0000"/>
+                </a:solidFill>
+                <a:prstDash val="sysDash"/>
+              </a:ln>
+            </p:spPr>
+            <p:style>
+              <a:lnRef idx="2">
+                <a:schemeClr val="accent1"/>
+              </a:lnRef>
+              <a:fillRef idx="0">
+                <a:schemeClr val="accent1"/>
+              </a:fillRef>
+              <a:effectRef idx="1">
+                <a:schemeClr val="accent1"/>
+              </a:effectRef>
+              <a:fontRef idx="minor">
+                <a:schemeClr val="tx1"/>
+              </a:fontRef>
+            </p:style>
+          </p:cxnSp>
+        </p:grpSp>
+        <p:sp>
+          <p:nvSpPr>
+            <p:cNvPr id="47" name="직사각형 46">
+              <a:extLst>
+                <a:ext uri="{FF2B5EF4-FFF2-40B4-BE49-F238E27FC236}">
+                  <a16:creationId xmlns:a16="http://schemas.microsoft.com/office/drawing/2014/main" id="{9DEC43F3-2E72-CF25-9429-A79080A2050F}"/>
+                </a:ext>
+              </a:extLst>
+            </p:cNvPr>
+            <p:cNvSpPr/>
+            <p:nvPr/>
+          </p:nvSpPr>
+          <p:spPr>
+            <a:xfrm>
+              <a:off x="5125714" y="1609845"/>
+              <a:ext cx="394714" cy="247409"/>
+            </a:xfrm>
+            <a:prstGeom prst="rect">
+              <a:avLst/>
+            </a:prstGeom>
+            <a:solidFill>
+              <a:srgbClr val="2B303D"/>
+            </a:solidFill>
+            <a:ln>
+              <a:noFill/>
+            </a:ln>
+          </p:spPr>
+          <p:style>
+            <a:lnRef idx="2">
+              <a:schemeClr val="accent1">
+                <a:shade val="15000"/>
+              </a:schemeClr>
+            </a:lnRef>
+            <a:fillRef idx="1">
+              <a:schemeClr val="accent1"/>
+            </a:fillRef>
+            <a:effectRef idx="0">
+              <a:schemeClr val="accent1"/>
+            </a:effectRef>
+            <a:fontRef idx="minor">
+              <a:schemeClr val="lt1"/>
+            </a:fontRef>
+          </p:style>
+          <p:txBody>
+            <a:bodyPr rtlCol="0" anchor="ctr"/>
+            <a:lstStyle/>
+            <a:p>
+              <a:pPr algn="ctr"/>
+              <a:r>
+                <a:rPr kumimoji="1" lang="en-US" altLang="ko-KR" sz="1200" b="1" dirty="0">
+                  <a:solidFill>
+                    <a:srgbClr val="FF0000"/>
+                  </a:solidFill>
+                </a:rPr>
+                <a:t>(-)</a:t>
+              </a:r>
+              <a:endParaRPr kumimoji="1" lang="ko-KR" altLang="en-US" sz="1400" b="1" dirty="0">
+                <a:solidFill>
+                  <a:srgbClr val="FF0000"/>
+                </a:solidFill>
+              </a:endParaRPr>
+            </a:p>
+          </p:txBody>
+        </p:sp>
+      </p:grpSp>
+      <p:grpSp>
+        <p:nvGrpSpPr>
+          <p:cNvPr id="49" name="그룹 48">
+            <a:extLst>
+              <a:ext uri="{FF2B5EF4-FFF2-40B4-BE49-F238E27FC236}">
+                <a16:creationId xmlns:a16="http://schemas.microsoft.com/office/drawing/2014/main" id="{F674DB54-4619-426D-D68E-09FE83B0A173}"/>
+              </a:ext>
+            </a:extLst>
+          </p:cNvPr>
+          <p:cNvGrpSpPr/>
+          <p:nvPr/>
+        </p:nvGrpSpPr>
+        <p:grpSpPr>
+          <a:xfrm>
+            <a:off x="722088" y="1067042"/>
+            <a:ext cx="2490642" cy="3504243"/>
+            <a:chOff x="722088" y="1067042"/>
+            <a:chExt cx="2490642" cy="3504243"/>
+          </a:xfrm>
+        </p:grpSpPr>
+        <p:grpSp>
+          <p:nvGrpSpPr>
+            <p:cNvPr id="40" name="그룹 39">
+              <a:extLst>
+                <a:ext uri="{FF2B5EF4-FFF2-40B4-BE49-F238E27FC236}">
+                  <a16:creationId xmlns:a16="http://schemas.microsoft.com/office/drawing/2014/main" id="{99DDD7A2-F98B-1472-14D3-4086515C2D0B}"/>
+                </a:ext>
+              </a:extLst>
+            </p:cNvPr>
+            <p:cNvGrpSpPr/>
+            <p:nvPr/>
+          </p:nvGrpSpPr>
+          <p:grpSpPr>
+            <a:xfrm>
+              <a:off x="722088" y="1067042"/>
+              <a:ext cx="2490642" cy="3504243"/>
+              <a:chOff x="945358" y="916737"/>
+              <a:chExt cx="2490642" cy="3504243"/>
+            </a:xfrm>
+          </p:grpSpPr>
+          <p:grpSp>
+            <p:nvGrpSpPr>
+              <p:cNvPr id="39" name="그룹 38">
+                <a:extLst>
+                  <a:ext uri="{FF2B5EF4-FFF2-40B4-BE49-F238E27FC236}">
+                    <a16:creationId xmlns:a16="http://schemas.microsoft.com/office/drawing/2014/main" id="{7BBE78F6-EA40-771D-1FC9-203FC04E6D00}"/>
+                  </a:ext>
+                </a:extLst>
+              </p:cNvPr>
+              <p:cNvGrpSpPr/>
+              <p:nvPr/>
+            </p:nvGrpSpPr>
+            <p:grpSpPr>
+              <a:xfrm>
+                <a:off x="945358" y="916737"/>
+                <a:ext cx="2490642" cy="3504243"/>
+                <a:chOff x="943229" y="897267"/>
+                <a:chExt cx="2490642" cy="3504243"/>
+              </a:xfrm>
+            </p:grpSpPr>
+            <p:sp>
+              <p:nvSpPr>
+                <p:cNvPr id="37" name="직사각형 36">
+                  <a:extLst>
+                    <a:ext uri="{FF2B5EF4-FFF2-40B4-BE49-F238E27FC236}">
+                      <a16:creationId xmlns:a16="http://schemas.microsoft.com/office/drawing/2014/main" id="{CF90EA28-548C-5AAE-E6E1-D39C3FD1A51E}"/>
+                    </a:ext>
+                  </a:extLst>
+                </p:cNvPr>
+                <p:cNvSpPr/>
+                <p:nvPr/>
+              </p:nvSpPr>
+              <p:spPr>
+                <a:xfrm>
+                  <a:off x="943229" y="897267"/>
+                  <a:ext cx="2490642" cy="3504243"/>
+                </a:xfrm>
+                <a:prstGeom prst="rect">
+                  <a:avLst/>
+                </a:prstGeom>
+                <a:solidFill>
+                  <a:srgbClr val="2B303D"/>
+                </a:solidFill>
+                <a:ln>
+                  <a:noFill/>
+                </a:ln>
+              </p:spPr>
+              <p:style>
+                <a:lnRef idx="2">
+                  <a:schemeClr val="accent1">
+                    <a:shade val="15000"/>
+                  </a:schemeClr>
+                </a:lnRef>
+                <a:fillRef idx="1">
+                  <a:schemeClr val="accent1"/>
+                </a:fillRef>
+                <a:effectRef idx="0">
+                  <a:schemeClr val="accent1"/>
+                </a:effectRef>
+                <a:fontRef idx="minor">
+                  <a:schemeClr val="lt1"/>
+                </a:fontRef>
+              </p:style>
+              <p:txBody>
+                <a:bodyPr rtlCol="0" anchor="ctr"/>
+                <a:lstStyle/>
+                <a:p>
+                  <a:pPr algn="ctr"/>
+                  <a:endParaRPr kumimoji="1" lang="ko-KR" altLang="en-US" dirty="0"/>
+                </a:p>
+              </p:txBody>
+            </p:sp>
+            <p:sp>
+              <p:nvSpPr>
+                <p:cNvPr id="38" name="TextBox 37">
+                  <a:extLst>
+                    <a:ext uri="{FF2B5EF4-FFF2-40B4-BE49-F238E27FC236}">
+                      <a16:creationId xmlns:a16="http://schemas.microsoft.com/office/drawing/2014/main" id="{CBB5E3B4-BA42-FD38-5557-415E6FA90283}"/>
+                    </a:ext>
+                  </a:extLst>
+                </p:cNvPr>
+                <p:cNvSpPr txBox="1"/>
+                <p:nvPr/>
+              </p:nvSpPr>
+              <p:spPr>
+                <a:xfrm>
+                  <a:off x="3075841" y="3406986"/>
+                  <a:ext cx="248786" cy="276999"/>
+                </a:xfrm>
+                <a:prstGeom prst="rect">
+                  <a:avLst/>
+                </a:prstGeom>
+                <a:noFill/>
+              </p:spPr>
+              <p:txBody>
+                <a:bodyPr wrap="none" rtlCol="0">
+                  <a:spAutoFit/>
+                </a:bodyPr>
+                <a:lstStyle/>
+                <a:p>
+                  <a:r>
+                    <a:rPr kumimoji="1" lang="en-US" altLang="ko-KR" sz="1200" b="1" dirty="0">
+                      <a:solidFill>
+                        <a:srgbClr val="FF0000"/>
+                      </a:solidFill>
+                    </a:rPr>
+                    <a:t>-</a:t>
+                  </a:r>
+                </a:p>
+              </p:txBody>
+            </p:sp>
+          </p:grpSp>
+          <p:pic>
+            <p:nvPicPr>
+              <p:cNvPr id="23" name="그림 22" descr="댄스, 예술이(가) 표시된 사진&#10;&#10;자동 생성된 설명">
+                <a:extLst>
+                  <a:ext uri="{FF2B5EF4-FFF2-40B4-BE49-F238E27FC236}">
+                    <a16:creationId xmlns:a16="http://schemas.microsoft.com/office/drawing/2014/main" id="{99368FCE-DC70-AD4B-D595-3BA14C90EFA0}"/>
+                  </a:ext>
+                </a:extLst>
+              </p:cNvPr>
+              <p:cNvPicPr>
+                <a:picLocks noChangeAspect="1"/>
+              </p:cNvPicPr>
+              <p:nvPr/>
+            </p:nvPicPr>
+            <p:blipFill rotWithShape="1">
+              <a:blip r:embed="rId6"/>
+              <a:srcRect l="14449"/>
+              <a:stretch/>
+            </p:blipFill>
+            <p:spPr>
+              <a:xfrm>
+                <a:off x="968343" y="1140659"/>
+                <a:ext cx="2392646" cy="2796749"/>
+              </a:xfrm>
+              <a:prstGeom prst="rect">
+                <a:avLst/>
+              </a:prstGeom>
+            </p:spPr>
+          </p:pic>
+        </p:grpSp>
+        <p:sp>
+          <p:nvSpPr>
+            <p:cNvPr id="48" name="직사각형 47">
+              <a:extLst>
+                <a:ext uri="{FF2B5EF4-FFF2-40B4-BE49-F238E27FC236}">
+                  <a16:creationId xmlns:a16="http://schemas.microsoft.com/office/drawing/2014/main" id="{62B83806-7D0F-9149-C480-BEF9D1C351E2}"/>
+                </a:ext>
+              </a:extLst>
+            </p:cNvPr>
+            <p:cNvSpPr/>
+            <p:nvPr/>
+          </p:nvSpPr>
+          <p:spPr>
+            <a:xfrm>
+              <a:off x="2842749" y="3606351"/>
+              <a:ext cx="306005" cy="247409"/>
+            </a:xfrm>
+            <a:prstGeom prst="rect">
+              <a:avLst/>
+            </a:prstGeom>
+            <a:solidFill>
+              <a:srgbClr val="2B303D"/>
+            </a:solidFill>
+            <a:ln>
+              <a:noFill/>
+            </a:ln>
+          </p:spPr>
+          <p:style>
+            <a:lnRef idx="2">
+              <a:schemeClr val="accent1">
+                <a:shade val="15000"/>
+              </a:schemeClr>
+            </a:lnRef>
+            <a:fillRef idx="1">
+              <a:schemeClr val="accent1"/>
+            </a:fillRef>
+            <a:effectRef idx="0">
+              <a:schemeClr val="accent1"/>
+            </a:effectRef>
+            <a:fontRef idx="minor">
+              <a:schemeClr val="lt1"/>
+            </a:fontRef>
+          </p:style>
+          <p:txBody>
+            <a:bodyPr rtlCol="0" anchor="ctr"/>
+            <a:lstStyle/>
+            <a:p>
+              <a:pPr algn="ctr"/>
+              <a:r>
+                <a:rPr kumimoji="1" lang="en-US" altLang="ko-KR" sz="1200" dirty="0">
+                  <a:solidFill>
+                    <a:srgbClr val="FF0000"/>
+                  </a:solidFill>
+                </a:rPr>
+                <a:t>(-)</a:t>
+              </a:r>
+              <a:endParaRPr kumimoji="1" lang="ko-KR" altLang="en-US" sz="1400" dirty="0">
+                <a:solidFill>
+                  <a:srgbClr val="FF0000"/>
+                </a:solidFill>
+              </a:endParaRPr>
+            </a:p>
+          </p:txBody>
+        </p:sp>
+      </p:grpSp>
+      <p:grpSp>
+        <p:nvGrpSpPr>
+          <p:cNvPr id="56" name="그룹 55">
+            <a:extLst>
+              <a:ext uri="{FF2B5EF4-FFF2-40B4-BE49-F238E27FC236}">
+                <a16:creationId xmlns:a16="http://schemas.microsoft.com/office/drawing/2014/main" id="{2C985373-125D-BDFD-117E-3505502691E9}"/>
+              </a:ext>
+            </a:extLst>
+          </p:cNvPr>
+          <p:cNvGrpSpPr/>
+          <p:nvPr/>
+        </p:nvGrpSpPr>
+        <p:grpSpPr>
+          <a:xfrm>
+            <a:off x="1750430" y="2559513"/>
+            <a:ext cx="2490642" cy="3504243"/>
+            <a:chOff x="2146749" y="3558746"/>
+            <a:chExt cx="2490642" cy="3504243"/>
+          </a:xfrm>
+        </p:grpSpPr>
+        <p:sp>
+          <p:nvSpPr>
+            <p:cNvPr id="55" name="직사각형 54">
+              <a:extLst>
+                <a:ext uri="{FF2B5EF4-FFF2-40B4-BE49-F238E27FC236}">
+                  <a16:creationId xmlns:a16="http://schemas.microsoft.com/office/drawing/2014/main" id="{793ADEDF-8B13-1E28-6CF2-12E62BE44C8E}"/>
+                </a:ext>
+              </a:extLst>
+            </p:cNvPr>
+            <p:cNvSpPr/>
+            <p:nvPr/>
+          </p:nvSpPr>
+          <p:spPr>
+            <a:xfrm>
+              <a:off x="2146749" y="3558746"/>
+              <a:ext cx="2490642" cy="3504243"/>
+            </a:xfrm>
+            <a:prstGeom prst="rect">
+              <a:avLst/>
+            </a:prstGeom>
+            <a:solidFill>
+              <a:srgbClr val="2B303D"/>
+            </a:solidFill>
+            <a:ln>
+              <a:noFill/>
+            </a:ln>
+          </p:spPr>
+          <p:style>
+            <a:lnRef idx="2">
+              <a:schemeClr val="accent1">
+                <a:shade val="15000"/>
+              </a:schemeClr>
+            </a:lnRef>
+            <a:fillRef idx="1">
+              <a:schemeClr val="accent1"/>
+            </a:fillRef>
+            <a:effectRef idx="0">
+              <a:schemeClr val="accent1"/>
+            </a:effectRef>
+            <a:fontRef idx="minor">
+              <a:schemeClr val="lt1"/>
+            </a:fontRef>
+          </p:style>
+          <p:txBody>
+            <a:bodyPr rtlCol="0" anchor="ctr"/>
+            <a:lstStyle/>
+            <a:p>
+              <a:pPr algn="ctr"/>
+              <a:endParaRPr kumimoji="1" lang="ko-KR" altLang="en-US" dirty="0"/>
+            </a:p>
+          </p:txBody>
+        </p:sp>
+        <p:pic>
+          <p:nvPicPr>
+            <p:cNvPr id="54" name="그림 53" descr="댄스, 만화 영화, 예술이(가) 표시된 사진&#10;&#10;자동 생성된 설명">
+              <a:extLst>
+                <a:ext uri="{FF2B5EF4-FFF2-40B4-BE49-F238E27FC236}">
+                  <a16:creationId xmlns:a16="http://schemas.microsoft.com/office/drawing/2014/main" id="{EEEAA1FD-71F7-1270-A7E6-5F346633FD02}"/>
+                </a:ext>
+              </a:extLst>
+            </p:cNvPr>
+            <p:cNvPicPr>
+              <a:picLocks noChangeAspect="1"/>
+            </p:cNvPicPr>
+            <p:nvPr/>
+          </p:nvPicPr>
+          <p:blipFill rotWithShape="1">
+            <a:blip r:embed="rId7"/>
+            <a:srcRect l="15035" t="5614" r="2803"/>
+            <a:stretch/>
+          </p:blipFill>
+          <p:spPr>
+            <a:xfrm>
+              <a:off x="2389887" y="3681450"/>
+              <a:ext cx="2149508" cy="3176549"/>
+            </a:xfrm>
+            <a:prstGeom prst="rect">
+              <a:avLst/>
+            </a:prstGeom>
+          </p:spPr>
+        </p:pic>
+      </p:grpSp>
+      <p:pic>
+        <p:nvPicPr>
+          <p:cNvPr id="58" name="그림 57" descr="그림, 일러스트레이션, 그래픽, 예술이(가) 표시된 사진&#10;&#10;자동 생성된 설명">
+            <a:extLst>
+              <a:ext uri="{FF2B5EF4-FFF2-40B4-BE49-F238E27FC236}">
+                <a16:creationId xmlns:a16="http://schemas.microsoft.com/office/drawing/2014/main" id="{52423C0F-5854-5B59-E852-144D9EDF55C8}"/>
+              </a:ext>
+            </a:extLst>
+          </p:cNvPr>
+          <p:cNvPicPr>
+            <a:picLocks noChangeAspect="1"/>
+          </p:cNvPicPr>
+          <p:nvPr/>
+        </p:nvPicPr>
+        <p:blipFill>
+          <a:blip r:embed="rId8"/>
+          <a:stretch>
+            <a:fillRect/>
+          </a:stretch>
+        </p:blipFill>
         <p:spPr>
           <a:xfrm>
-            <a:off x="5125714" y="1609845"/>
-            <a:ext cx="394714" cy="247409"/>
+            <a:off x="5593574" y="3974679"/>
+            <a:ext cx="2882900" cy="3429000"/>
           </a:xfrm>
           <a:prstGeom prst="rect">
             <a:avLst/>
           </a:prstGeom>
-          <a:solidFill>
-            <a:srgbClr val="2B303D"/>
-          </a:solidFill>
-          <a:ln>
-            <a:noFill/>
+        </p:spPr>
+      </p:pic>
+      <p:cxnSp>
+        <p:nvCxnSpPr>
+          <p:cNvPr id="59" name="직선 연결선[R] 58">
+            <a:extLst>
+              <a:ext uri="{FF2B5EF4-FFF2-40B4-BE49-F238E27FC236}">
+                <a16:creationId xmlns:a16="http://schemas.microsoft.com/office/drawing/2014/main" id="{DD7A407C-B6D8-4EA2-B784-579227F8A11C}"/>
+              </a:ext>
+            </a:extLst>
+          </p:cNvPr>
+          <p:cNvCxnSpPr>
+            <a:cxnSpLocks/>
+          </p:cNvCxnSpPr>
+          <p:nvPr/>
+        </p:nvCxnSpPr>
+        <p:spPr>
+          <a:xfrm>
+            <a:off x="10714491" y="4452346"/>
+            <a:ext cx="0" cy="1579439"/>
+          </a:xfrm>
+          <a:prstGeom prst="line">
+            <a:avLst/>
+          </a:prstGeom>
+          <a:ln w="38100">
+            <a:solidFill>
+              <a:srgbClr val="FF0000"/>
+            </a:solidFill>
+            <a:prstDash val="sysDash"/>
           </a:ln>
         </p:spPr>
         <p:style>
           <a:lnRef idx="2">
-            <a:schemeClr val="accent1">
-              <a:shade val="15000"/>
-            </a:schemeClr>
+            <a:schemeClr val="accent1"/>
           </a:lnRef>
-          <a:fillRef idx="1">
+          <a:fillRef idx="0">
             <a:schemeClr val="accent1"/>
           </a:fillRef>
-          <a:effectRef idx="0">
+          <a:effectRef idx="1">
             <a:schemeClr val="accent1"/>
           </a:effectRef>
           <a:fontRef idx="minor">
-            <a:schemeClr val="lt1"/>
+            <a:schemeClr val="tx1"/>
           </a:fontRef>
         </p:style>
-        <p:txBody>
-          <a:bodyPr rtlCol="0" anchor="ctr"/>
-          <a:lstStyle/>
-          <a:p>
-            <a:pPr algn="ctr"/>
-            <a:r>
-              <a:rPr kumimoji="1" lang="en-US" altLang="ko-KR" sz="1200" b="1" dirty="0">
+      </p:cxnSp>
+      <p:grpSp>
+        <p:nvGrpSpPr>
+          <p:cNvPr id="73" name="그룹 72">
+            <a:extLst>
+              <a:ext uri="{FF2B5EF4-FFF2-40B4-BE49-F238E27FC236}">
+                <a16:creationId xmlns:a16="http://schemas.microsoft.com/office/drawing/2014/main" id="{3C658E9F-C131-F411-31DB-A51D6FBC07C5}"/>
+              </a:ext>
+            </a:extLst>
+          </p:cNvPr>
+          <p:cNvGrpSpPr/>
+          <p:nvPr/>
+        </p:nvGrpSpPr>
+        <p:grpSpPr>
+          <a:xfrm>
+            <a:off x="9766002" y="874408"/>
+            <a:ext cx="1883299" cy="2668345"/>
+            <a:chOff x="9766002" y="874408"/>
+            <a:chExt cx="1883299" cy="2668345"/>
+          </a:xfrm>
+        </p:grpSpPr>
+        <p:sp>
+          <p:nvSpPr>
+            <p:cNvPr id="72" name="직사각형 71">
+              <a:extLst>
+                <a:ext uri="{FF2B5EF4-FFF2-40B4-BE49-F238E27FC236}">
+                  <a16:creationId xmlns:a16="http://schemas.microsoft.com/office/drawing/2014/main" id="{70C2625B-F5AA-1AAF-E99B-98EB1B49C0CE}"/>
+                </a:ext>
+              </a:extLst>
+            </p:cNvPr>
+            <p:cNvSpPr/>
+            <p:nvPr/>
+          </p:nvSpPr>
+          <p:spPr>
+            <a:xfrm>
+              <a:off x="9766002" y="874408"/>
+              <a:ext cx="1883299" cy="2668345"/>
+            </a:xfrm>
+            <a:prstGeom prst="rect">
+              <a:avLst/>
+            </a:prstGeom>
+            <a:solidFill>
+              <a:srgbClr val="2B303D"/>
+            </a:solidFill>
+            <a:ln>
+              <a:noFill/>
+            </a:ln>
+          </p:spPr>
+          <p:style>
+            <a:lnRef idx="2">
+              <a:schemeClr val="accent1">
+                <a:shade val="15000"/>
+              </a:schemeClr>
+            </a:lnRef>
+            <a:fillRef idx="1">
+              <a:schemeClr val="accent1"/>
+            </a:fillRef>
+            <a:effectRef idx="0">
+              <a:schemeClr val="accent1"/>
+            </a:effectRef>
+            <a:fontRef idx="minor">
+              <a:schemeClr val="lt1"/>
+            </a:fontRef>
+          </p:style>
+          <p:txBody>
+            <a:bodyPr rtlCol="0" anchor="ctr"/>
+            <a:lstStyle/>
+            <a:p>
+              <a:pPr algn="ctr"/>
+              <a:endParaRPr kumimoji="1" lang="ko-KR" altLang="en-US"/>
+            </a:p>
+          </p:txBody>
+        </p:sp>
+        <p:pic>
+          <p:nvPicPr>
+            <p:cNvPr id="62" name="그림 61" descr="예술이(가) 표시된 사진&#10;&#10;자동 생성된 설명">
+              <a:extLst>
+                <a:ext uri="{FF2B5EF4-FFF2-40B4-BE49-F238E27FC236}">
+                  <a16:creationId xmlns:a16="http://schemas.microsoft.com/office/drawing/2014/main" id="{D32C3C78-B50F-65D4-4C32-8309EFC9D14A}"/>
+                </a:ext>
+              </a:extLst>
+            </p:cNvPr>
+            <p:cNvPicPr>
+              <a:picLocks noChangeAspect="1"/>
+            </p:cNvPicPr>
+            <p:nvPr/>
+          </p:nvPicPr>
+          <p:blipFill rotWithShape="1">
+            <a:blip r:embed="rId9"/>
+            <a:srcRect l="26236" r="26214" b="36940"/>
+            <a:stretch/>
+          </p:blipFill>
+          <p:spPr>
+            <a:xfrm>
+              <a:off x="9831470" y="947172"/>
+              <a:ext cx="1733484" cy="2298952"/>
+            </a:xfrm>
+            <a:prstGeom prst="rect">
+              <a:avLst/>
+            </a:prstGeom>
+          </p:spPr>
+        </p:pic>
+        <p:cxnSp>
+          <p:nvCxnSpPr>
+            <p:cNvPr id="63" name="직선 연결선[R] 62">
+              <a:extLst>
+                <a:ext uri="{FF2B5EF4-FFF2-40B4-BE49-F238E27FC236}">
+                  <a16:creationId xmlns:a16="http://schemas.microsoft.com/office/drawing/2014/main" id="{75711AD8-0A2C-73CF-F4FC-A843CE442832}"/>
+                </a:ext>
+              </a:extLst>
+            </p:cNvPr>
+            <p:cNvCxnSpPr>
+              <a:cxnSpLocks/>
+            </p:cNvCxnSpPr>
+            <p:nvPr/>
+          </p:nvCxnSpPr>
+          <p:spPr>
+            <a:xfrm>
+              <a:off x="10523184" y="1143000"/>
+              <a:ext cx="248457" cy="1292866"/>
+            </a:xfrm>
+            <a:prstGeom prst="line">
+              <a:avLst/>
+            </a:prstGeom>
+            <a:ln w="38100">
+              <a:solidFill>
+                <a:srgbClr val="FF0000"/>
+              </a:solidFill>
+              <a:prstDash val="sysDash"/>
+            </a:ln>
+          </p:spPr>
+          <p:style>
+            <a:lnRef idx="2">
+              <a:schemeClr val="accent1"/>
+            </a:lnRef>
+            <a:fillRef idx="0">
+              <a:schemeClr val="accent1"/>
+            </a:fillRef>
+            <a:effectRef idx="1">
+              <a:schemeClr val="accent1"/>
+            </a:effectRef>
+            <a:fontRef idx="minor">
+              <a:schemeClr val="tx1"/>
+            </a:fontRef>
+          </p:style>
+        </p:cxnSp>
+        <p:cxnSp>
+          <p:nvCxnSpPr>
+            <p:cNvPr id="64" name="직선 연결선[R] 63">
+              <a:extLst>
+                <a:ext uri="{FF2B5EF4-FFF2-40B4-BE49-F238E27FC236}">
+                  <a16:creationId xmlns:a16="http://schemas.microsoft.com/office/drawing/2014/main" id="{76F6F4E4-EAAD-4D9F-A055-7A4AB75DF914}"/>
+                </a:ext>
+              </a:extLst>
+            </p:cNvPr>
+            <p:cNvCxnSpPr>
+              <a:cxnSpLocks/>
+            </p:cNvCxnSpPr>
+            <p:nvPr/>
+          </p:nvCxnSpPr>
+          <p:spPr>
+            <a:xfrm>
+              <a:off x="10773682" y="1095900"/>
+              <a:ext cx="0" cy="1275298"/>
+            </a:xfrm>
+            <a:prstGeom prst="line">
+              <a:avLst/>
+            </a:prstGeom>
+            <a:ln w="38100">
+              <a:solidFill>
+                <a:srgbClr val="FF0000"/>
+              </a:solidFill>
+            </a:ln>
+          </p:spPr>
+          <p:style>
+            <a:lnRef idx="2">
+              <a:schemeClr val="accent1"/>
+            </a:lnRef>
+            <a:fillRef idx="0">
+              <a:schemeClr val="accent1"/>
+            </a:fillRef>
+            <a:effectRef idx="1">
+              <a:schemeClr val="accent1"/>
+            </a:effectRef>
+            <a:fontRef idx="minor">
+              <a:schemeClr val="tx1"/>
+            </a:fontRef>
+          </p:style>
+        </p:cxnSp>
+        <p:sp>
+          <p:nvSpPr>
+            <p:cNvPr id="70" name="타원 69">
+              <a:extLst>
+                <a:ext uri="{FF2B5EF4-FFF2-40B4-BE49-F238E27FC236}">
+                  <a16:creationId xmlns:a16="http://schemas.microsoft.com/office/drawing/2014/main" id="{F2398AA2-9802-BC53-FC96-37A7F1F5CC46}"/>
+                </a:ext>
+              </a:extLst>
+            </p:cNvPr>
+            <p:cNvSpPr/>
+            <p:nvPr/>
+          </p:nvSpPr>
+          <p:spPr>
+            <a:xfrm>
+              <a:off x="10723859" y="2356810"/>
+              <a:ext cx="89215" cy="92274"/>
+            </a:xfrm>
+            <a:prstGeom prst="ellipse">
+              <a:avLst/>
+            </a:prstGeom>
+            <a:solidFill>
+              <a:srgbClr val="FF0000"/>
+            </a:solidFill>
+            <a:ln w="28575">
+              <a:solidFill>
+                <a:schemeClr val="tx1"/>
+              </a:solidFill>
+            </a:ln>
+          </p:spPr>
+          <p:style>
+            <a:lnRef idx="2">
+              <a:schemeClr val="accent1">
+                <a:shade val="15000"/>
+              </a:schemeClr>
+            </a:lnRef>
+            <a:fillRef idx="1">
+              <a:schemeClr val="accent1"/>
+            </a:fillRef>
+            <a:effectRef idx="0">
+              <a:schemeClr val="accent1"/>
+            </a:effectRef>
+            <a:fontRef idx="minor">
+              <a:schemeClr val="lt1"/>
+            </a:fontRef>
+          </p:style>
+          <p:txBody>
+            <a:bodyPr rtlCol="0" anchor="ctr"/>
+            <a:lstStyle/>
+            <a:p>
+              <a:pPr algn="ctr"/>
+              <a:endParaRPr kumimoji="1" lang="ko-KR" altLang="en-US"/>
+            </a:p>
+          </p:txBody>
+        </p:sp>
+        <p:sp>
+          <p:nvSpPr>
+            <p:cNvPr id="71" name="직사각형 70">
+              <a:extLst>
+                <a:ext uri="{FF2B5EF4-FFF2-40B4-BE49-F238E27FC236}">
+                  <a16:creationId xmlns:a16="http://schemas.microsoft.com/office/drawing/2014/main" id="{5CE87E1B-DB85-EFB6-193B-31B678974CB4}"/>
+                </a:ext>
+              </a:extLst>
+            </p:cNvPr>
+            <p:cNvSpPr/>
+            <p:nvPr/>
+          </p:nvSpPr>
+          <p:spPr>
+            <a:xfrm>
+              <a:off x="10454683" y="933296"/>
+              <a:ext cx="394714" cy="247409"/>
+            </a:xfrm>
+            <a:prstGeom prst="rect">
+              <a:avLst/>
+            </a:prstGeom>
+            <a:solidFill>
+              <a:srgbClr val="2B303D"/>
+            </a:solidFill>
+            <a:ln>
+              <a:noFill/>
+            </a:ln>
+          </p:spPr>
+          <p:style>
+            <a:lnRef idx="2">
+              <a:schemeClr val="accent1">
+                <a:shade val="15000"/>
+              </a:schemeClr>
+            </a:lnRef>
+            <a:fillRef idx="1">
+              <a:schemeClr val="accent1"/>
+            </a:fillRef>
+            <a:effectRef idx="0">
+              <a:schemeClr val="accent1"/>
+            </a:effectRef>
+            <a:fontRef idx="minor">
+              <a:schemeClr val="lt1"/>
+            </a:fontRef>
+          </p:style>
+          <p:txBody>
+            <a:bodyPr rtlCol="0" anchor="ctr"/>
+            <a:lstStyle/>
+            <a:p>
+              <a:pPr algn="ctr"/>
+              <a:r>
+                <a:rPr kumimoji="1" lang="en-US" altLang="ko-KR" sz="1200" b="1" dirty="0">
+                  <a:solidFill>
+                    <a:srgbClr val="FF0000"/>
+                  </a:solidFill>
+                </a:rPr>
+                <a:t>(+)</a:t>
+              </a:r>
+              <a:endParaRPr kumimoji="1" lang="ko-KR" altLang="en-US" sz="1400" b="1" dirty="0">
                 <a:solidFill>
                   <a:srgbClr val="FF0000"/>
                 </a:solidFill>
-              </a:rPr>
-              <a:t>(-)</a:t>
-            </a:r>
-            <a:endParaRPr kumimoji="1" lang="ko-KR" altLang="en-US" sz="1400" b="1" dirty="0">
-              <a:solidFill>
-                <a:srgbClr val="FF0000"/>
-              </a:solidFill>
-            </a:endParaRPr>
-          </a:p>
-        </p:txBody>
-      </p:sp>
-      <p:sp>
-        <p:nvSpPr>
-          <p:cNvPr id="48" name="직사각형 47">
-            <a:extLst>
-              <a:ext uri="{FF2B5EF4-FFF2-40B4-BE49-F238E27FC236}">
-                <a16:creationId xmlns:a16="http://schemas.microsoft.com/office/drawing/2014/main" id="{62B83806-7D0F-9149-C480-BEF9D1C351E2}"/>
-              </a:ext>
-            </a:extLst>
-          </p:cNvPr>
-          <p:cNvSpPr/>
-          <p:nvPr/>
-        </p:nvSpPr>
-        <p:spPr>
-          <a:xfrm>
-            <a:off x="2842749" y="3606351"/>
-            <a:ext cx="306005" cy="247409"/>
-          </a:xfrm>
-          <a:prstGeom prst="rect">
-            <a:avLst/>
-          </a:prstGeom>
-          <a:solidFill>
-            <a:srgbClr val="2B303D"/>
-          </a:solidFill>
-          <a:ln>
-            <a:noFill/>
-          </a:ln>
-        </p:spPr>
-        <p:style>
-          <a:lnRef idx="2">
-            <a:schemeClr val="accent1">
-              <a:shade val="15000"/>
-            </a:schemeClr>
-          </a:lnRef>
-          <a:fillRef idx="1">
-            <a:schemeClr val="accent1"/>
-          </a:fillRef>
-          <a:effectRef idx="0">
-            <a:schemeClr val="accent1"/>
-          </a:effectRef>
-          <a:fontRef idx="minor">
-            <a:schemeClr val="lt1"/>
-          </a:fontRef>
-        </p:style>
-        <p:txBody>
-          <a:bodyPr rtlCol="0" anchor="ctr"/>
-          <a:lstStyle/>
-          <a:p>
-            <a:pPr algn="ctr"/>
-            <a:r>
-              <a:rPr kumimoji="1" lang="en-US" altLang="ko-KR" sz="1200" dirty="0">
-                <a:solidFill>
-                  <a:srgbClr val="FF0000"/>
-                </a:solidFill>
-              </a:rPr>
-              <a:t>(-)</a:t>
-            </a:r>
-            <a:endParaRPr kumimoji="1" lang="ko-KR" altLang="en-US" sz="1400" dirty="0">
-              <a:solidFill>
-                <a:srgbClr val="FF0000"/>
-              </a:solidFill>
-            </a:endParaRPr>
-          </a:p>
-        </p:txBody>
-      </p:sp>
+              </a:endParaRPr>
+            </a:p>
+          </p:txBody>
+        </p:sp>
+      </p:grpSp>
     </p:spTree>
     <p:extLst>
       <p:ext uri="{BB962C8B-B14F-4D97-AF65-F5344CB8AC3E}">
         <p14:creationId xmlns:p14="http://schemas.microsoft.com/office/powerpoint/2010/main" val="3447360544"/>
+      </p:ext>
+    </p:extLst>
+  </p:cSld>
+  <p:clrMapOvr>
+    <a:masterClrMapping/>
+  </p:clrMapOvr>
+</p:sld>
+</file>
+
+<file path=ppt/slides/slide6.xml><?xml version="1.0" encoding="utf-8"?>
+<p:sld xmlns:a="http://schemas.openxmlformats.org/drawingml/2006/main" xmlns:r="http://schemas.openxmlformats.org/officeDocument/2006/relationships" xmlns:p="http://schemas.openxmlformats.org/presentationml/2006/main">
+  <p:cSld>
+    <p:spTree>
+      <p:nvGrpSpPr>
+        <p:cNvPr id="1" name=""/>
+        <p:cNvGrpSpPr/>
+        <p:nvPr/>
+      </p:nvGrpSpPr>
+      <p:grpSpPr>
+        <a:xfrm>
+          <a:off x="0" y="0"/>
+          <a:ext cx="0" cy="0"/>
+          <a:chOff x="0" y="0"/>
+          <a:chExt cx="0" cy="0"/>
+        </a:xfrm>
+      </p:grpSpPr>
+      <p:grpSp>
+        <p:nvGrpSpPr>
+          <p:cNvPr id="14" name="그룹 13">
+            <a:extLst>
+              <a:ext uri="{FF2B5EF4-FFF2-40B4-BE49-F238E27FC236}">
+                <a16:creationId xmlns:a16="http://schemas.microsoft.com/office/drawing/2014/main" id="{5F53D8C5-F259-C527-DD74-3D3C1790136C}"/>
+              </a:ext>
+            </a:extLst>
+          </p:cNvPr>
+          <p:cNvGrpSpPr/>
+          <p:nvPr/>
+        </p:nvGrpSpPr>
+        <p:grpSpPr>
+          <a:xfrm>
+            <a:off x="4513000" y="2025648"/>
+            <a:ext cx="1883299" cy="2668345"/>
+            <a:chOff x="8926250" y="1780622"/>
+            <a:chExt cx="1883299" cy="2668345"/>
+          </a:xfrm>
+        </p:grpSpPr>
+        <p:sp>
+          <p:nvSpPr>
+            <p:cNvPr id="10" name="직사각형 9">
+              <a:extLst>
+                <a:ext uri="{FF2B5EF4-FFF2-40B4-BE49-F238E27FC236}">
+                  <a16:creationId xmlns:a16="http://schemas.microsoft.com/office/drawing/2014/main" id="{F8EC4C28-A2CC-19B3-E859-04222510CCB0}"/>
+                </a:ext>
+              </a:extLst>
+            </p:cNvPr>
+            <p:cNvSpPr/>
+            <p:nvPr/>
+          </p:nvSpPr>
+          <p:spPr>
+            <a:xfrm>
+              <a:off x="8926250" y="1780622"/>
+              <a:ext cx="1883299" cy="2668345"/>
+            </a:xfrm>
+            <a:prstGeom prst="rect">
+              <a:avLst/>
+            </a:prstGeom>
+            <a:solidFill>
+              <a:srgbClr val="2B303D"/>
+            </a:solidFill>
+            <a:ln>
+              <a:noFill/>
+            </a:ln>
+          </p:spPr>
+          <p:style>
+            <a:lnRef idx="2">
+              <a:schemeClr val="accent1">
+                <a:shade val="15000"/>
+              </a:schemeClr>
+            </a:lnRef>
+            <a:fillRef idx="1">
+              <a:schemeClr val="accent1"/>
+            </a:fillRef>
+            <a:effectRef idx="0">
+              <a:schemeClr val="accent1"/>
+            </a:effectRef>
+            <a:fontRef idx="minor">
+              <a:schemeClr val="lt1"/>
+            </a:fontRef>
+          </p:style>
+          <p:txBody>
+            <a:bodyPr rtlCol="0" anchor="ctr"/>
+            <a:lstStyle/>
+            <a:p>
+              <a:pPr algn="ctr"/>
+              <a:endParaRPr kumimoji="1" lang="ko-KR" altLang="en-US"/>
+            </a:p>
+          </p:txBody>
+        </p:sp>
+        <p:pic>
+          <p:nvPicPr>
+            <p:cNvPr id="5" name="그림 4" descr="댄스, 예술이(가) 표시된 사진&#10;&#10;자동 생성된 설명">
+              <a:extLst>
+                <a:ext uri="{FF2B5EF4-FFF2-40B4-BE49-F238E27FC236}">
+                  <a16:creationId xmlns:a16="http://schemas.microsoft.com/office/drawing/2014/main" id="{2B2A2943-DA5D-C1F8-FB6D-D02C7B13264B}"/>
+                </a:ext>
+              </a:extLst>
+            </p:cNvPr>
+            <p:cNvPicPr>
+              <a:picLocks noChangeAspect="1"/>
+            </p:cNvPicPr>
+            <p:nvPr/>
+          </p:nvPicPr>
+          <p:blipFill rotWithShape="1">
+            <a:blip r:embed="rId2"/>
+            <a:srcRect l="8368" r="19666" b="12884"/>
+            <a:stretch/>
+          </p:blipFill>
+          <p:spPr>
+            <a:xfrm>
+              <a:off x="9101007" y="2025649"/>
+              <a:ext cx="1702192" cy="2241550"/>
+            </a:xfrm>
+            <a:prstGeom prst="rect">
+              <a:avLst/>
+            </a:prstGeom>
+          </p:spPr>
+        </p:pic>
+        <p:sp>
+          <p:nvSpPr>
+            <p:cNvPr id="8" name="직사각형 7">
+              <a:extLst>
+                <a:ext uri="{FF2B5EF4-FFF2-40B4-BE49-F238E27FC236}">
+                  <a16:creationId xmlns:a16="http://schemas.microsoft.com/office/drawing/2014/main" id="{DC3459A3-2C0E-3A4B-54D7-72F85F5B2507}"/>
+                </a:ext>
+              </a:extLst>
+            </p:cNvPr>
+            <p:cNvSpPr/>
+            <p:nvPr/>
+          </p:nvSpPr>
+          <p:spPr>
+            <a:xfrm>
+              <a:off x="9846148" y="2986928"/>
+              <a:ext cx="326211" cy="185882"/>
+            </a:xfrm>
+            <a:prstGeom prst="rect">
+              <a:avLst/>
+            </a:prstGeom>
+            <a:solidFill>
+              <a:srgbClr val="2B303D"/>
+            </a:solidFill>
+            <a:ln>
+              <a:noFill/>
+            </a:ln>
+          </p:spPr>
+          <p:style>
+            <a:lnRef idx="2">
+              <a:schemeClr val="accent1">
+                <a:shade val="15000"/>
+              </a:schemeClr>
+            </a:lnRef>
+            <a:fillRef idx="1">
+              <a:schemeClr val="accent1"/>
+            </a:fillRef>
+            <a:effectRef idx="0">
+              <a:schemeClr val="accent1"/>
+            </a:effectRef>
+            <a:fontRef idx="minor">
+              <a:schemeClr val="lt1"/>
+            </a:fontRef>
+          </p:style>
+          <p:txBody>
+            <a:bodyPr rtlCol="0" anchor="ctr"/>
+            <a:lstStyle/>
+            <a:p>
+              <a:pPr algn="ctr"/>
+              <a:r>
+                <a:rPr kumimoji="1" lang="en-US" altLang="ko-KR" sz="1200" b="1" dirty="0">
+                  <a:solidFill>
+                    <a:srgbClr val="FF0000"/>
+                  </a:solidFill>
+                </a:rPr>
+                <a:t>(-)</a:t>
+              </a:r>
+              <a:endParaRPr kumimoji="1" lang="ko-KR" altLang="en-US" sz="1400" b="1" dirty="0">
+                <a:solidFill>
+                  <a:srgbClr val="FF0000"/>
+                </a:solidFill>
+              </a:endParaRPr>
+            </a:p>
+          </p:txBody>
+        </p:sp>
+        <p:sp>
+          <p:nvSpPr>
+            <p:cNvPr id="9" name="직사각형 8">
+              <a:extLst>
+                <a:ext uri="{FF2B5EF4-FFF2-40B4-BE49-F238E27FC236}">
+                  <a16:creationId xmlns:a16="http://schemas.microsoft.com/office/drawing/2014/main" id="{1105D34B-561A-3C1D-D8AC-FB37DC32ABE2}"/>
+                </a:ext>
+              </a:extLst>
+            </p:cNvPr>
+            <p:cNvSpPr/>
+            <p:nvPr/>
+          </p:nvSpPr>
+          <p:spPr>
+            <a:xfrm>
+              <a:off x="8926251" y="3079869"/>
+              <a:ext cx="738450" cy="1187330"/>
+            </a:xfrm>
+            <a:prstGeom prst="rect">
+              <a:avLst/>
+            </a:prstGeom>
+            <a:solidFill>
+              <a:srgbClr val="2B303D"/>
+            </a:solidFill>
+            <a:ln>
+              <a:noFill/>
+            </a:ln>
+          </p:spPr>
+          <p:style>
+            <a:lnRef idx="2">
+              <a:schemeClr val="accent1">
+                <a:shade val="15000"/>
+              </a:schemeClr>
+            </a:lnRef>
+            <a:fillRef idx="1">
+              <a:schemeClr val="accent1"/>
+            </a:fillRef>
+            <a:effectRef idx="0">
+              <a:schemeClr val="accent1"/>
+            </a:effectRef>
+            <a:fontRef idx="minor">
+              <a:schemeClr val="lt1"/>
+            </a:fontRef>
+          </p:style>
+          <p:txBody>
+            <a:bodyPr rtlCol="0" anchor="ctr"/>
+            <a:lstStyle/>
+            <a:p>
+              <a:pPr algn="ctr"/>
+              <a:endParaRPr kumimoji="1" lang="ko-KR" altLang="en-US" sz="1400" b="1" dirty="0">
+                <a:solidFill>
+                  <a:srgbClr val="FF0000"/>
+                </a:solidFill>
+              </a:endParaRPr>
+            </a:p>
+          </p:txBody>
+        </p:sp>
+      </p:grpSp>
+      <p:grpSp>
+        <p:nvGrpSpPr>
+          <p:cNvPr id="13" name="그룹 12">
+            <a:extLst>
+              <a:ext uri="{FF2B5EF4-FFF2-40B4-BE49-F238E27FC236}">
+                <a16:creationId xmlns:a16="http://schemas.microsoft.com/office/drawing/2014/main" id="{09520CA0-5FD5-AF04-7097-2A54CEFB235E}"/>
+              </a:ext>
+            </a:extLst>
+          </p:cNvPr>
+          <p:cNvGrpSpPr/>
+          <p:nvPr/>
+        </p:nvGrpSpPr>
+        <p:grpSpPr>
+          <a:xfrm>
+            <a:off x="2216329" y="2025649"/>
+            <a:ext cx="1883299" cy="2668345"/>
+            <a:chOff x="2216329" y="2025649"/>
+            <a:chExt cx="1883299" cy="2668345"/>
+          </a:xfrm>
+        </p:grpSpPr>
+        <p:sp>
+          <p:nvSpPr>
+            <p:cNvPr id="11" name="직사각형 10">
+              <a:extLst>
+                <a:ext uri="{FF2B5EF4-FFF2-40B4-BE49-F238E27FC236}">
+                  <a16:creationId xmlns:a16="http://schemas.microsoft.com/office/drawing/2014/main" id="{D90084F2-1FCF-73F3-7CE7-D23725245381}"/>
+                </a:ext>
+              </a:extLst>
+            </p:cNvPr>
+            <p:cNvSpPr/>
+            <p:nvPr/>
+          </p:nvSpPr>
+          <p:spPr>
+            <a:xfrm>
+              <a:off x="2216329" y="2025649"/>
+              <a:ext cx="1883299" cy="2668345"/>
+            </a:xfrm>
+            <a:prstGeom prst="rect">
+              <a:avLst/>
+            </a:prstGeom>
+            <a:solidFill>
+              <a:srgbClr val="2B303D"/>
+            </a:solidFill>
+            <a:ln>
+              <a:noFill/>
+            </a:ln>
+          </p:spPr>
+          <p:style>
+            <a:lnRef idx="2">
+              <a:schemeClr val="accent1">
+                <a:shade val="15000"/>
+              </a:schemeClr>
+            </a:lnRef>
+            <a:fillRef idx="1">
+              <a:schemeClr val="accent1"/>
+            </a:fillRef>
+            <a:effectRef idx="0">
+              <a:schemeClr val="accent1"/>
+            </a:effectRef>
+            <a:fontRef idx="minor">
+              <a:schemeClr val="lt1"/>
+            </a:fontRef>
+          </p:style>
+          <p:txBody>
+            <a:bodyPr rtlCol="0" anchor="ctr"/>
+            <a:lstStyle/>
+            <a:p>
+              <a:pPr algn="ctr"/>
+              <a:endParaRPr kumimoji="1" lang="ko-KR" altLang="en-US"/>
+            </a:p>
+          </p:txBody>
+        </p:sp>
+        <p:pic>
+          <p:nvPicPr>
+            <p:cNvPr id="7" name="그림 6" descr="그림, 예술이(가) 표시된 사진&#10;&#10;자동 생성된 설명">
+              <a:extLst>
+                <a:ext uri="{FF2B5EF4-FFF2-40B4-BE49-F238E27FC236}">
+                  <a16:creationId xmlns:a16="http://schemas.microsoft.com/office/drawing/2014/main" id="{25B7FFDD-2C74-F3DD-98F1-2B262502E876}"/>
+                </a:ext>
+              </a:extLst>
+            </p:cNvPr>
+            <p:cNvPicPr>
+              <a:picLocks noChangeAspect="1"/>
+            </p:cNvPicPr>
+            <p:nvPr/>
+          </p:nvPicPr>
+          <p:blipFill rotWithShape="1">
+            <a:blip r:embed="rId3"/>
+            <a:srcRect l="3667" r="29923"/>
+            <a:stretch/>
+          </p:blipFill>
+          <p:spPr>
+            <a:xfrm>
+              <a:off x="2374900" y="2260600"/>
+              <a:ext cx="1667758" cy="2336800"/>
+            </a:xfrm>
+            <a:prstGeom prst="rect">
+              <a:avLst/>
+            </a:prstGeom>
+          </p:spPr>
+        </p:pic>
+        <p:sp>
+          <p:nvSpPr>
+            <p:cNvPr id="12" name="직사각형 11">
+              <a:extLst>
+                <a:ext uri="{FF2B5EF4-FFF2-40B4-BE49-F238E27FC236}">
+                  <a16:creationId xmlns:a16="http://schemas.microsoft.com/office/drawing/2014/main" id="{45CC39AA-1AEA-8B3B-3857-759E7AFF58FB}"/>
+                </a:ext>
+              </a:extLst>
+            </p:cNvPr>
+            <p:cNvSpPr/>
+            <p:nvPr/>
+          </p:nvSpPr>
+          <p:spPr>
+            <a:xfrm>
+              <a:off x="2216329" y="3391570"/>
+              <a:ext cx="691971" cy="1187330"/>
+            </a:xfrm>
+            <a:prstGeom prst="rect">
+              <a:avLst/>
+            </a:prstGeom>
+            <a:solidFill>
+              <a:srgbClr val="2B303D"/>
+            </a:solidFill>
+            <a:ln>
+              <a:noFill/>
+            </a:ln>
+          </p:spPr>
+          <p:style>
+            <a:lnRef idx="2">
+              <a:schemeClr val="accent1">
+                <a:shade val="15000"/>
+              </a:schemeClr>
+            </a:lnRef>
+            <a:fillRef idx="1">
+              <a:schemeClr val="accent1"/>
+            </a:fillRef>
+            <a:effectRef idx="0">
+              <a:schemeClr val="accent1"/>
+            </a:effectRef>
+            <a:fontRef idx="minor">
+              <a:schemeClr val="lt1"/>
+            </a:fontRef>
+          </p:style>
+          <p:txBody>
+            <a:bodyPr rtlCol="0" anchor="ctr"/>
+            <a:lstStyle/>
+            <a:p>
+              <a:pPr algn="ctr"/>
+              <a:endParaRPr kumimoji="1" lang="ko-KR" altLang="en-US" sz="1400" b="1" dirty="0">
+                <a:solidFill>
+                  <a:srgbClr val="FF0000"/>
+                </a:solidFill>
+              </a:endParaRPr>
+            </a:p>
+          </p:txBody>
+        </p:sp>
+      </p:grpSp>
+    </p:spTree>
+    <p:extLst>
+      <p:ext uri="{BB962C8B-B14F-4D97-AF65-F5344CB8AC3E}">
+        <p14:creationId xmlns:p14="http://schemas.microsoft.com/office/powerpoint/2010/main" val="3963908922"/>
       </p:ext>
     </p:extLst>
   </p:cSld>
